--- a/docs/diagrams/ExportSequenceDiagram.pptx
+++ b/docs/diagrams/ExportSequenceDiagram.pptx
@@ -5196,8 +5196,8 @@
         </p:nvCxnSpPr>
         <p:spPr>
           <a:xfrm flipH="1">
-            <a:off x="6703923" y="2948040"/>
-            <a:ext cx="1" cy="667792"/>
+            <a:off x="6703924" y="2948040"/>
+            <a:ext cx="1" cy="3551633"/>
           </a:xfrm>
           <a:prstGeom prst="line">
             <a:avLst/>
